--- a/PowerPoitnProgram/PB 06-10.pptx
+++ b/PowerPoitnProgram/PB 06-10.pptx
@@ -42413,7 +42413,7 @@
             <a:fld id="{35CD4824-21C5-40F0-ACC2-517FBE4637A7}" type="datetimeFigureOut">
               <a:rPr lang="es-MX" smtClean="0"/>
               <a:pPr/>
-              <a:t>06/02/2024</a:t>
+              <a:t>08/02/2024</a:t>
             </a:fld>
             <a:endParaRPr lang="es-MX"/>
           </a:p>
@@ -42585,7 +42585,7 @@
             <a:fld id="{35CD4824-21C5-40F0-ACC2-517FBE4637A7}" type="datetimeFigureOut">
               <a:rPr lang="es-MX" smtClean="0"/>
               <a:pPr/>
-              <a:t>06/02/2024</a:t>
+              <a:t>08/02/2024</a:t>
             </a:fld>
             <a:endParaRPr lang="es-MX"/>
           </a:p>
@@ -42767,7 +42767,7 @@
             <a:fld id="{35CD4824-21C5-40F0-ACC2-517FBE4637A7}" type="datetimeFigureOut">
               <a:rPr lang="es-MX" smtClean="0"/>
               <a:pPr/>
-              <a:t>06/02/2024</a:t>
+              <a:t>08/02/2024</a:t>
             </a:fld>
             <a:endParaRPr lang="es-MX"/>
           </a:p>
@@ -42939,7 +42939,7 @@
             <a:fld id="{35CD4824-21C5-40F0-ACC2-517FBE4637A7}" type="datetimeFigureOut">
               <a:rPr lang="es-MX" smtClean="0"/>
               <a:pPr/>
-              <a:t>06/02/2024</a:t>
+              <a:t>08/02/2024</a:t>
             </a:fld>
             <a:endParaRPr lang="es-MX"/>
           </a:p>
@@ -43187,7 +43187,7 @@
             <a:fld id="{35CD4824-21C5-40F0-ACC2-517FBE4637A7}" type="datetimeFigureOut">
               <a:rPr lang="es-MX" smtClean="0"/>
               <a:pPr/>
-              <a:t>06/02/2024</a:t>
+              <a:t>08/02/2024</a:t>
             </a:fld>
             <a:endParaRPr lang="es-MX"/>
           </a:p>
@@ -43477,7 +43477,7 @@
             <a:fld id="{35CD4824-21C5-40F0-ACC2-517FBE4637A7}" type="datetimeFigureOut">
               <a:rPr lang="es-MX" smtClean="0"/>
               <a:pPr/>
-              <a:t>06/02/2024</a:t>
+              <a:t>08/02/2024</a:t>
             </a:fld>
             <a:endParaRPr lang="es-MX"/>
           </a:p>
@@ -43901,7 +43901,7 @@
             <a:fld id="{35CD4824-21C5-40F0-ACC2-517FBE4637A7}" type="datetimeFigureOut">
               <a:rPr lang="es-MX" smtClean="0"/>
               <a:pPr/>
-              <a:t>06/02/2024</a:t>
+              <a:t>08/02/2024</a:t>
             </a:fld>
             <a:endParaRPr lang="es-MX"/>
           </a:p>
@@ -44021,7 +44021,7 @@
             <a:fld id="{35CD4824-21C5-40F0-ACC2-517FBE4637A7}" type="datetimeFigureOut">
               <a:rPr lang="es-MX" smtClean="0"/>
               <a:pPr/>
-              <a:t>06/02/2024</a:t>
+              <a:t>08/02/2024</a:t>
             </a:fld>
             <a:endParaRPr lang="es-MX"/>
           </a:p>
@@ -44118,7 +44118,7 @@
             <a:fld id="{35CD4824-21C5-40F0-ACC2-517FBE4637A7}" type="datetimeFigureOut">
               <a:rPr lang="es-MX" smtClean="0"/>
               <a:pPr/>
-              <a:t>06/02/2024</a:t>
+              <a:t>08/02/2024</a:t>
             </a:fld>
             <a:endParaRPr lang="es-MX"/>
           </a:p>
@@ -44397,7 +44397,7 @@
             <a:fld id="{35CD4824-21C5-40F0-ACC2-517FBE4637A7}" type="datetimeFigureOut">
               <a:rPr lang="es-MX" smtClean="0"/>
               <a:pPr/>
-              <a:t>06/02/2024</a:t>
+              <a:t>08/02/2024</a:t>
             </a:fld>
             <a:endParaRPr lang="es-MX"/>
           </a:p>
@@ -44652,7 +44652,7 @@
             <a:fld id="{35CD4824-21C5-40F0-ACC2-517FBE4637A7}" type="datetimeFigureOut">
               <a:rPr lang="es-MX" smtClean="0"/>
               <a:pPr/>
-              <a:t>06/02/2024</a:t>
+              <a:t>08/02/2024</a:t>
             </a:fld>
             <a:endParaRPr lang="es-MX"/>
           </a:p>
@@ -44876,7 +44876,7 @@
             <a:fld id="{35CD4824-21C5-40F0-ACC2-517FBE4637A7}" type="datetimeFigureOut">
               <a:rPr lang="es-MX" smtClean="0"/>
               <a:pPr/>
-              <a:t>06/02/2024</a:t>
+              <a:t>08/02/2024</a:t>
             </a:fld>
             <a:endParaRPr lang="es-MX"/>
           </a:p>
@@ -49706,8 +49706,8 @@
           </a:p>
         </p:txBody>
       </p:sp>
-      <mc:AlternateContent xmlns:mc="http://schemas.openxmlformats.org/markup-compatibility/2006">
-        <mc:Choice xmlns:a14="http://schemas.microsoft.com/office/drawing/2010/main" Requires="a14">
+      <mc:AlternateContent xmlns:mc="http://schemas.openxmlformats.org/markup-compatibility/2006" xmlns:a14="http://schemas.microsoft.com/office/drawing/2010/main">
+        <mc:Choice Requires="a14">
           <p:sp>
             <p:nvSpPr>
               <p:cNvPr id="14" name="13 Objeto"/>
@@ -49833,7 +49833,7 @@
             </p:txBody>
           </p:sp>
         </mc:Choice>
-        <mc:Fallback>
+        <mc:Fallback xmlns="">
           <p:sp>
             <p:nvSpPr>
               <p:cNvPr id="14" name="13 Objeto"/>
@@ -50183,8 +50183,8 @@
           </a:p>
         </p:txBody>
       </p:sp>
-      <mc:AlternateContent xmlns:mc="http://schemas.openxmlformats.org/markup-compatibility/2006">
-        <mc:Choice xmlns:a14="http://schemas.microsoft.com/office/drawing/2010/main" Requires="a14">
+      <mc:AlternateContent xmlns:mc="http://schemas.openxmlformats.org/markup-compatibility/2006" xmlns:a14="http://schemas.microsoft.com/office/drawing/2010/main">
+        <mc:Choice Requires="a14">
           <p:sp>
             <p:nvSpPr>
               <p:cNvPr id="17" name="13 Objeto">
@@ -50316,7 +50316,7 @@
             </p:txBody>
           </p:sp>
         </mc:Choice>
-        <mc:Fallback>
+        <mc:Fallback xmlns="">
           <p:sp>
             <p:nvSpPr>
               <p:cNvPr id="17" name="13 Objeto">
@@ -56521,7 +56521,7 @@
           <a:p>
             <a:r>
               <a:rPr lang="es-MX" dirty="0"/>
-              <a:t>D = </a:t>
+              <a:t>d = </a:t>
             </a:r>
             <a:r>
               <a:rPr lang="es-MX" dirty="0" err="1"/>
